--- a/maglev-x/resources.pptx
+++ b/maglev-x/resources.pptx
@@ -3181,7 +3181,7 @@
           <a:p>
             <a:fld id="{73F57153-8083-D94A-89E8-CA2525C5AA79}" type="datetimeFigureOut">
               <a:rPr lang="en-US" smtClean="0"/>
-              <a:t>8/31/18</a:t>
+              <a:t>9/4/18</a:t>
             </a:fld>
             <a:endParaRPr lang="en-US"/>
           </a:p>
@@ -3379,7 +3379,7 @@
           <a:p>
             <a:fld id="{73F57153-8083-D94A-89E8-CA2525C5AA79}" type="datetimeFigureOut">
               <a:rPr lang="en-US" smtClean="0"/>
-              <a:t>8/31/18</a:t>
+              <a:t>9/4/18</a:t>
             </a:fld>
             <a:endParaRPr lang="en-US"/>
           </a:p>
@@ -3587,7 +3587,7 @@
           <a:p>
             <a:fld id="{73F57153-8083-D94A-89E8-CA2525C5AA79}" type="datetimeFigureOut">
               <a:rPr lang="en-US" smtClean="0"/>
-              <a:t>8/31/18</a:t>
+              <a:t>9/4/18</a:t>
             </a:fld>
             <a:endParaRPr lang="en-US"/>
           </a:p>
@@ -3785,7 +3785,7 @@
           <a:p>
             <a:fld id="{73F57153-8083-D94A-89E8-CA2525C5AA79}" type="datetimeFigureOut">
               <a:rPr lang="en-US" smtClean="0"/>
-              <a:t>8/31/18</a:t>
+              <a:t>9/4/18</a:t>
             </a:fld>
             <a:endParaRPr lang="en-US"/>
           </a:p>
@@ -4060,7 +4060,7 @@
           <a:p>
             <a:fld id="{73F57153-8083-D94A-89E8-CA2525C5AA79}" type="datetimeFigureOut">
               <a:rPr lang="en-US" smtClean="0"/>
-              <a:t>8/31/18</a:t>
+              <a:t>9/4/18</a:t>
             </a:fld>
             <a:endParaRPr lang="en-US"/>
           </a:p>
@@ -4325,7 +4325,7 @@
           <a:p>
             <a:fld id="{73F57153-8083-D94A-89E8-CA2525C5AA79}" type="datetimeFigureOut">
               <a:rPr lang="en-US" smtClean="0"/>
-              <a:t>8/31/18</a:t>
+              <a:t>9/4/18</a:t>
             </a:fld>
             <a:endParaRPr lang="en-US"/>
           </a:p>
@@ -4737,7 +4737,7 @@
           <a:p>
             <a:fld id="{73F57153-8083-D94A-89E8-CA2525C5AA79}" type="datetimeFigureOut">
               <a:rPr lang="en-US" smtClean="0"/>
-              <a:t>8/31/18</a:t>
+              <a:t>9/4/18</a:t>
             </a:fld>
             <a:endParaRPr lang="en-US"/>
           </a:p>
@@ -4878,7 +4878,7 @@
           <a:p>
             <a:fld id="{73F57153-8083-D94A-89E8-CA2525C5AA79}" type="datetimeFigureOut">
               <a:rPr lang="en-US" smtClean="0"/>
-              <a:t>8/31/18</a:t>
+              <a:t>9/4/18</a:t>
             </a:fld>
             <a:endParaRPr lang="en-US"/>
           </a:p>
@@ -4991,7 +4991,7 @@
           <a:p>
             <a:fld id="{73F57153-8083-D94A-89E8-CA2525C5AA79}" type="datetimeFigureOut">
               <a:rPr lang="en-US" smtClean="0"/>
-              <a:t>8/31/18</a:t>
+              <a:t>9/4/18</a:t>
             </a:fld>
             <a:endParaRPr lang="en-US"/>
           </a:p>
@@ -5302,7 +5302,7 @@
           <a:p>
             <a:fld id="{73F57153-8083-D94A-89E8-CA2525C5AA79}" type="datetimeFigureOut">
               <a:rPr lang="en-US" smtClean="0"/>
-              <a:t>8/31/18</a:t>
+              <a:t>9/4/18</a:t>
             </a:fld>
             <a:endParaRPr lang="en-US"/>
           </a:p>
@@ -5590,7 +5590,7 @@
           <a:p>
             <a:fld id="{73F57153-8083-D94A-89E8-CA2525C5AA79}" type="datetimeFigureOut">
               <a:rPr lang="en-US" smtClean="0"/>
-              <a:t>8/31/18</a:t>
+              <a:t>9/4/18</a:t>
             </a:fld>
             <a:endParaRPr lang="en-US"/>
           </a:p>
@@ -5831,7 +5831,7 @@
           <a:p>
             <a:fld id="{73F57153-8083-D94A-89E8-CA2525C5AA79}" type="datetimeFigureOut">
               <a:rPr lang="en-US" smtClean="0"/>
-              <a:t>8/31/18</a:t>
+              <a:t>9/4/18</a:t>
             </a:fld>
             <a:endParaRPr lang="en-US"/>
           </a:p>
@@ -7519,7 +7519,7 @@
           <p:nvPr>
             <p:extLst>
               <p:ext uri="{D42A27DB-BD31-4B8C-83A1-F6EECF244321}">
-                <p14:modId xmlns:p14="http://schemas.microsoft.com/office/powerpoint/2010/main" val="1798395917"/>
+                <p14:modId xmlns:p14="http://schemas.microsoft.com/office/powerpoint/2010/main" val="1729976790"/>
               </p:ext>
             </p:extLst>
           </p:nvPr>
@@ -7655,7 +7655,7 @@
           <p:nvPr>
             <p:extLst>
               <p:ext uri="{D42A27DB-BD31-4B8C-83A1-F6EECF244321}">
-                <p14:modId xmlns:p14="http://schemas.microsoft.com/office/powerpoint/2010/main" val="1076523110"/>
+                <p14:modId xmlns:p14="http://schemas.microsoft.com/office/powerpoint/2010/main" val="2322839501"/>
               </p:ext>
             </p:extLst>
           </p:nvPr>
@@ -7778,7 +7778,7 @@
           <p:nvPr>
             <p:extLst>
               <p:ext uri="{D42A27DB-BD31-4B8C-83A1-F6EECF244321}">
-                <p14:modId xmlns:p14="http://schemas.microsoft.com/office/powerpoint/2010/main" val="3337377890"/>
+                <p14:modId xmlns:p14="http://schemas.microsoft.com/office/powerpoint/2010/main" val="622738732"/>
               </p:ext>
             </p:extLst>
           </p:nvPr>
@@ -8189,7 +8189,7 @@
           <p:nvPr>
             <p:extLst>
               <p:ext uri="{D42A27DB-BD31-4B8C-83A1-F6EECF244321}">
-                <p14:modId xmlns:p14="http://schemas.microsoft.com/office/powerpoint/2010/main" val="2152216959"/>
+                <p14:modId xmlns:p14="http://schemas.microsoft.com/office/powerpoint/2010/main" val="1545671607"/>
               </p:ext>
             </p:extLst>
           </p:nvPr>
@@ -8312,7 +8312,7 @@
           <p:nvPr>
             <p:extLst>
               <p:ext uri="{D42A27DB-BD31-4B8C-83A1-F6EECF244321}">
-                <p14:modId xmlns:p14="http://schemas.microsoft.com/office/powerpoint/2010/main" val="902599359"/>
+                <p14:modId xmlns:p14="http://schemas.microsoft.com/office/powerpoint/2010/main" val="3842985471"/>
               </p:ext>
             </p:extLst>
           </p:nvPr>
@@ -8410,7 +8410,7 @@
           <p:nvPr>
             <p:extLst>
               <p:ext uri="{D42A27DB-BD31-4B8C-83A1-F6EECF244321}">
-                <p14:modId xmlns:p14="http://schemas.microsoft.com/office/powerpoint/2010/main" val="437850670"/>
+                <p14:modId xmlns:p14="http://schemas.microsoft.com/office/powerpoint/2010/main" val="4263524655"/>
               </p:ext>
             </p:extLst>
           </p:nvPr>
@@ -8673,7 +8673,7 @@
           <p:nvPr>
             <p:extLst>
               <p:ext uri="{D42A27DB-BD31-4B8C-83A1-F6EECF244321}">
-                <p14:modId xmlns:p14="http://schemas.microsoft.com/office/powerpoint/2010/main" val="1496096521"/>
+                <p14:modId xmlns:p14="http://schemas.microsoft.com/office/powerpoint/2010/main" val="4227065330"/>
               </p:ext>
             </p:extLst>
           </p:nvPr>
@@ -9028,7 +9028,7 @@
           <p:nvPr>
             <p:extLst>
               <p:ext uri="{D42A27DB-BD31-4B8C-83A1-F6EECF244321}">
-                <p14:modId xmlns:p14="http://schemas.microsoft.com/office/powerpoint/2010/main" val="1514418211"/>
+                <p14:modId xmlns:p14="http://schemas.microsoft.com/office/powerpoint/2010/main" val="2939298687"/>
               </p:ext>
             </p:extLst>
           </p:nvPr>
@@ -9274,7 +9274,7 @@
           <p:nvPr>
             <p:extLst>
               <p:ext uri="{D42A27DB-BD31-4B8C-83A1-F6EECF244321}">
-                <p14:modId xmlns:p14="http://schemas.microsoft.com/office/powerpoint/2010/main" val="2822390671"/>
+                <p14:modId xmlns:p14="http://schemas.microsoft.com/office/powerpoint/2010/main" val="1467195026"/>
               </p:ext>
             </p:extLst>
           </p:nvPr>
